--- a/Schematics/RPI3 Library/Schemat_blokowy_SosnusIotPlatform.pptx
+++ b/Schematics/RPI3 Library/Schemat_blokowy_SosnusIotPlatform.pptx
@@ -6,6 +6,7 @@
   </p:sldMasterIdLst>
   <p:sldIdLst>
     <p:sldId id="258" r:id="rId2"/>
+    <p:sldId id="259" r:id="rId3"/>
   </p:sldIdLst>
   <p:sldSz cx="12192000" cy="6858000"/>
   <p:notesSz cx="6858000" cy="9144000"/>
@@ -104,6 +105,11 @@
       </a:defRPr>
     </a:lvl9pPr>
   </p:defaultTextStyle>
+  <p:extLst>
+    <p:ext uri="{EFAFB233-063F-42B5-8137-9DF3F51BA10A}">
+      <p15:sldGuideLst xmlns:p15="http://schemas.microsoft.com/office/powerpoint/2012/main"/>
+    </p:ext>
+  </p:extLst>
 </p:presentation>
 </file>
 
@@ -152,7 +158,6 @@
               <a:rPr lang="pl-PL"/>
               <a:t>Kliknij, aby edytować styl</a:t>
             </a:r>
-            <a:endParaRPr lang="pl-PL"/>
           </a:p>
         </p:txBody>
       </p:sp>
@@ -217,7 +222,6 @@
               <a:rPr lang="pl-PL"/>
               <a:t>Kliknij, aby edytować styl wzorca podtytułu</a:t>
             </a:r>
-            <a:endParaRPr lang="pl-PL"/>
           </a:p>
         </p:txBody>
       </p:sp>
@@ -238,7 +242,7 @@
           <a:p>
             <a:fld id="{BC5EB3D1-B936-4C64-8257-304C23BDCE3F}" type="datetimeFigureOut">
               <a:rPr lang="pl-PL" smtClean="0"/>
-              <a:t>26.03.2017</a:t>
+              <a:t>17.06.2017</a:t>
             </a:fld>
             <a:endParaRPr lang="pl-PL"/>
           </a:p>
@@ -335,7 +339,6 @@
               <a:rPr lang="pl-PL"/>
               <a:t>Kliknij, aby edytować styl</a:t>
             </a:r>
-            <a:endParaRPr lang="pl-PL"/>
           </a:p>
         </p:txBody>
       </p:sp>
@@ -387,7 +390,6 @@
               <a:rPr lang="pl-PL"/>
               <a:t>Piąty poziom</a:t>
             </a:r>
-            <a:endParaRPr lang="pl-PL"/>
           </a:p>
         </p:txBody>
       </p:sp>
@@ -408,7 +410,7 @@
           <a:p>
             <a:fld id="{BC5EB3D1-B936-4C64-8257-304C23BDCE3F}" type="datetimeFigureOut">
               <a:rPr lang="pl-PL" smtClean="0"/>
-              <a:t>26.03.2017</a:t>
+              <a:t>17.06.2017</a:t>
             </a:fld>
             <a:endParaRPr lang="pl-PL"/>
           </a:p>
@@ -510,7 +512,6 @@
               <a:rPr lang="pl-PL"/>
               <a:t>Kliknij, aby edytować styl</a:t>
             </a:r>
-            <a:endParaRPr lang="pl-PL"/>
           </a:p>
         </p:txBody>
       </p:sp>
@@ -567,7 +568,6 @@
               <a:rPr lang="pl-PL"/>
               <a:t>Piąty poziom</a:t>
             </a:r>
-            <a:endParaRPr lang="pl-PL"/>
           </a:p>
         </p:txBody>
       </p:sp>
@@ -588,7 +588,7 @@
           <a:p>
             <a:fld id="{BC5EB3D1-B936-4C64-8257-304C23BDCE3F}" type="datetimeFigureOut">
               <a:rPr lang="pl-PL" smtClean="0"/>
-              <a:t>26.03.2017</a:t>
+              <a:t>17.06.2017</a:t>
             </a:fld>
             <a:endParaRPr lang="pl-PL"/>
           </a:p>
@@ -685,7 +685,6 @@
               <a:rPr lang="pl-PL"/>
               <a:t>Kliknij, aby edytować styl</a:t>
             </a:r>
-            <a:endParaRPr lang="pl-PL"/>
           </a:p>
         </p:txBody>
       </p:sp>
@@ -737,7 +736,6 @@
               <a:rPr lang="pl-PL"/>
               <a:t>Piąty poziom</a:t>
             </a:r>
-            <a:endParaRPr lang="pl-PL"/>
           </a:p>
         </p:txBody>
       </p:sp>
@@ -758,7 +756,7 @@
           <a:p>
             <a:fld id="{BC5EB3D1-B936-4C64-8257-304C23BDCE3F}" type="datetimeFigureOut">
               <a:rPr lang="pl-PL" smtClean="0"/>
-              <a:t>26.03.2017</a:t>
+              <a:t>17.06.2017</a:t>
             </a:fld>
             <a:endParaRPr lang="pl-PL"/>
           </a:p>
@@ -864,7 +862,6 @@
               <a:rPr lang="pl-PL"/>
               <a:t>Kliknij, aby edytować styl</a:t>
             </a:r>
-            <a:endParaRPr lang="pl-PL"/>
           </a:p>
         </p:txBody>
       </p:sp>
@@ -1004,7 +1001,7 @@
           <a:p>
             <a:fld id="{BC5EB3D1-B936-4C64-8257-304C23BDCE3F}" type="datetimeFigureOut">
               <a:rPr lang="pl-PL" smtClean="0"/>
-              <a:t>26.03.2017</a:t>
+              <a:t>17.06.2017</a:t>
             </a:fld>
             <a:endParaRPr lang="pl-PL"/>
           </a:p>
@@ -1101,7 +1098,6 @@
               <a:rPr lang="pl-PL"/>
               <a:t>Kliknij, aby edytować styl</a:t>
             </a:r>
-            <a:endParaRPr lang="pl-PL"/>
           </a:p>
         </p:txBody>
       </p:sp>
@@ -1158,7 +1154,6 @@
               <a:rPr lang="pl-PL"/>
               <a:t>Piąty poziom</a:t>
             </a:r>
-            <a:endParaRPr lang="pl-PL"/>
           </a:p>
         </p:txBody>
       </p:sp>
@@ -1215,7 +1210,6 @@
               <a:rPr lang="pl-PL"/>
               <a:t>Piąty poziom</a:t>
             </a:r>
-            <a:endParaRPr lang="pl-PL"/>
           </a:p>
         </p:txBody>
       </p:sp>
@@ -1236,7 +1230,7 @@
           <a:p>
             <a:fld id="{BC5EB3D1-B936-4C64-8257-304C23BDCE3F}" type="datetimeFigureOut">
               <a:rPr lang="pl-PL" smtClean="0"/>
-              <a:t>26.03.2017</a:t>
+              <a:t>17.06.2017</a:t>
             </a:fld>
             <a:endParaRPr lang="pl-PL"/>
           </a:p>
@@ -1338,7 +1332,6 @@
               <a:rPr lang="pl-PL"/>
               <a:t>Kliknij, aby edytować styl</a:t>
             </a:r>
-            <a:endParaRPr lang="pl-PL"/>
           </a:p>
         </p:txBody>
       </p:sp>
@@ -1460,7 +1453,6 @@
               <a:rPr lang="pl-PL"/>
               <a:t>Piąty poziom</a:t>
             </a:r>
-            <a:endParaRPr lang="pl-PL"/>
           </a:p>
         </p:txBody>
       </p:sp>
@@ -1582,7 +1574,6 @@
               <a:rPr lang="pl-PL"/>
               <a:t>Piąty poziom</a:t>
             </a:r>
-            <a:endParaRPr lang="pl-PL"/>
           </a:p>
         </p:txBody>
       </p:sp>
@@ -1603,7 +1594,7 @@
           <a:p>
             <a:fld id="{BC5EB3D1-B936-4C64-8257-304C23BDCE3F}" type="datetimeFigureOut">
               <a:rPr lang="pl-PL" smtClean="0"/>
-              <a:t>26.03.2017</a:t>
+              <a:t>17.06.2017</a:t>
             </a:fld>
             <a:endParaRPr lang="pl-PL"/>
           </a:p>
@@ -1700,7 +1691,6 @@
               <a:rPr lang="pl-PL"/>
               <a:t>Kliknij, aby edytować styl</a:t>
             </a:r>
-            <a:endParaRPr lang="pl-PL"/>
           </a:p>
         </p:txBody>
       </p:sp>
@@ -1721,7 +1711,7 @@
           <a:p>
             <a:fld id="{BC5EB3D1-B936-4C64-8257-304C23BDCE3F}" type="datetimeFigureOut">
               <a:rPr lang="pl-PL" smtClean="0"/>
-              <a:t>26.03.2017</a:t>
+              <a:t>17.06.2017</a:t>
             </a:fld>
             <a:endParaRPr lang="pl-PL"/>
           </a:p>
@@ -1816,7 +1806,7 @@
           <a:p>
             <a:fld id="{BC5EB3D1-B936-4C64-8257-304C23BDCE3F}" type="datetimeFigureOut">
               <a:rPr lang="pl-PL" smtClean="0"/>
-              <a:t>26.03.2017</a:t>
+              <a:t>17.06.2017</a:t>
             </a:fld>
             <a:endParaRPr lang="pl-PL"/>
           </a:p>
@@ -1922,7 +1912,6 @@
               <a:rPr lang="pl-PL"/>
               <a:t>Kliknij, aby edytować styl</a:t>
             </a:r>
-            <a:endParaRPr lang="pl-PL"/>
           </a:p>
         </p:txBody>
       </p:sp>
@@ -2007,7 +1996,6 @@
               <a:rPr lang="pl-PL"/>
               <a:t>Piąty poziom</a:t>
             </a:r>
-            <a:endParaRPr lang="pl-PL"/>
           </a:p>
         </p:txBody>
       </p:sp>
@@ -2093,7 +2081,7 @@
           <a:p>
             <a:fld id="{BC5EB3D1-B936-4C64-8257-304C23BDCE3F}" type="datetimeFigureOut">
               <a:rPr lang="pl-PL" smtClean="0"/>
-              <a:t>26.03.2017</a:t>
+              <a:t>17.06.2017</a:t>
             </a:fld>
             <a:endParaRPr lang="pl-PL"/>
           </a:p>
@@ -2199,7 +2187,6 @@
               <a:rPr lang="pl-PL"/>
               <a:t>Kliknij, aby edytować styl</a:t>
             </a:r>
-            <a:endParaRPr lang="pl-PL"/>
           </a:p>
         </p:txBody>
       </p:sp>
@@ -2346,7 +2333,7 @@
           <a:p>
             <a:fld id="{BC5EB3D1-B936-4C64-8257-304C23BDCE3F}" type="datetimeFigureOut">
               <a:rPr lang="pl-PL" smtClean="0"/>
-              <a:t>26.03.2017</a:t>
+              <a:t>17.06.2017</a:t>
             </a:fld>
             <a:endParaRPr lang="pl-PL"/>
           </a:p>
@@ -2458,7 +2445,6 @@
               <a:rPr lang="pl-PL"/>
               <a:t>Kliknij, aby edytować styl</a:t>
             </a:r>
-            <a:endParaRPr lang="pl-PL"/>
           </a:p>
         </p:txBody>
       </p:sp>
@@ -2520,7 +2506,6 @@
               <a:rPr lang="pl-PL"/>
               <a:t>Piąty poziom</a:t>
             </a:r>
-            <a:endParaRPr lang="pl-PL"/>
           </a:p>
         </p:txBody>
       </p:sp>
@@ -2559,7 +2544,7 @@
           <a:p>
             <a:fld id="{BC5EB3D1-B936-4C64-8257-304C23BDCE3F}" type="datetimeFigureOut">
               <a:rPr lang="pl-PL" smtClean="0"/>
-              <a:t>26.03.2017</a:t>
+              <a:t>17.06.2017</a:t>
             </a:fld>
             <a:endParaRPr lang="pl-PL"/>
           </a:p>
@@ -3123,7 +3108,7 @@
         </p:nvSpPr>
         <p:spPr>
           <a:xfrm>
-            <a:off x="7518542" y="4184645"/>
+            <a:off x="10372342" y="3287408"/>
             <a:ext cx="844622" cy="369332"/>
           </a:xfrm>
           <a:prstGeom prst="rect">
@@ -3139,7 +3124,7 @@
           <a:p>
             <a:r>
               <a:rPr lang="pl-PL" dirty="0"/>
-              <a:t>40 pin</a:t>
+              <a:t>6V</a:t>
             </a:r>
           </a:p>
         </p:txBody>
@@ -3194,7 +3179,7 @@
                   <a:schemeClr val="tx1"/>
                 </a:solidFill>
               </a:rPr>
-              <a:t>Przetwornica USB</a:t>
+              <a:t>Przetwornica 5V + Złącza USB</a:t>
             </a:r>
           </a:p>
         </p:txBody>
@@ -3353,6 +3338,1839 @@
           </a:xfrm>
           <a:prstGeom prst="bentConnector3">
             <a:avLst>
+              <a:gd name="adj1" fmla="val -575576"/>
+            </a:avLst>
+          </a:prstGeom>
+          <a:ln w="76200">
+            <a:solidFill>
+              <a:srgbClr val="FFC000"/>
+            </a:solidFill>
+            <a:tailEnd type="triangle"/>
+          </a:ln>
+        </p:spPr>
+        <p:style>
+          <a:lnRef idx="1">
+            <a:schemeClr val="accent1"/>
+          </a:lnRef>
+          <a:fillRef idx="0">
+            <a:schemeClr val="accent1"/>
+          </a:fillRef>
+          <a:effectRef idx="0">
+            <a:schemeClr val="accent1"/>
+          </a:effectRef>
+          <a:fontRef idx="minor">
+            <a:schemeClr val="tx1"/>
+          </a:fontRef>
+        </p:style>
+      </p:cxnSp>
+      <p:sp>
+        <p:nvSpPr>
+          <p:cNvPr id="26" name="pole tekstowe 25"/>
+          <p:cNvSpPr txBox="1"/>
+          <p:nvPr/>
+        </p:nvSpPr>
+        <p:spPr>
+          <a:xfrm>
+            <a:off x="6501539" y="5288340"/>
+            <a:ext cx="2157083" cy="1938992"/>
+          </a:xfrm>
+          <a:prstGeom prst="rect">
+            <a:avLst/>
+          </a:prstGeom>
+          <a:noFill/>
+          <a:ln>
+            <a:noFill/>
+          </a:ln>
+        </p:spPr>
+        <p:txBody>
+          <a:bodyPr wrap="square" rtlCol="0">
+            <a:spAutoFit/>
+          </a:bodyPr>
+          <a:lstStyle/>
+          <a:p>
+            <a:r>
+              <a:rPr lang="pl-PL" sz="2400" b="1" dirty="0"/>
+              <a:t>Inne</a:t>
+            </a:r>
+          </a:p>
+          <a:p>
+            <a:r>
+              <a:rPr lang="pl-PL" sz="2400" b="1" dirty="0">
+                <a:solidFill>
+                  <a:srgbClr val="FFC000"/>
+                </a:solidFill>
+              </a:rPr>
+              <a:t>USB</a:t>
+            </a:r>
+          </a:p>
+          <a:p>
+            <a:r>
+              <a:rPr lang="pl-PL" sz="2400" b="1" dirty="0">
+                <a:solidFill>
+                  <a:srgbClr val="FF0000"/>
+                </a:solidFill>
+              </a:rPr>
+              <a:t>Zasilanie</a:t>
+            </a:r>
+          </a:p>
+          <a:p>
+            <a:r>
+              <a:rPr lang="pl-PL" sz="2400" b="1" dirty="0">
+                <a:solidFill>
+                  <a:srgbClr val="0070C0"/>
+                </a:solidFill>
+              </a:rPr>
+              <a:t>USB zasilanie</a:t>
+            </a:r>
+            <a:endParaRPr lang="pl-PL" sz="2400" b="1" dirty="0">
+              <a:solidFill>
+                <a:srgbClr val="0070C0"/>
+              </a:solidFill>
+            </a:endParaRPr>
+          </a:p>
+          <a:p>
+            <a:endParaRPr lang="pl-PL" sz="2400" b="1" dirty="0"/>
+          </a:p>
+        </p:txBody>
+      </p:sp>
+      <p:sp>
+        <p:nvSpPr>
+          <p:cNvPr id="28" name="pole tekstowe 27"/>
+          <p:cNvSpPr txBox="1"/>
+          <p:nvPr/>
+        </p:nvSpPr>
+        <p:spPr>
+          <a:xfrm>
+            <a:off x="6198986" y="3640436"/>
+            <a:ext cx="802433" cy="369332"/>
+          </a:xfrm>
+          <a:prstGeom prst="rect">
+            <a:avLst/>
+          </a:prstGeom>
+          <a:noFill/>
+        </p:spPr>
+        <p:txBody>
+          <a:bodyPr wrap="square" rtlCol="0">
+            <a:spAutoFit/>
+          </a:bodyPr>
+          <a:lstStyle/>
+          <a:p>
+            <a:r>
+              <a:rPr lang="pl-PL" dirty="0"/>
+              <a:t>HDMI</a:t>
+            </a:r>
+          </a:p>
+        </p:txBody>
+      </p:sp>
+      <p:sp>
+        <p:nvSpPr>
+          <p:cNvPr id="29" name="Prostokąt 28"/>
+          <p:cNvSpPr/>
+          <p:nvPr/>
+        </p:nvSpPr>
+        <p:spPr>
+          <a:xfrm>
+            <a:off x="402702" y="1086710"/>
+            <a:ext cx="1999983" cy="970005"/>
+          </a:xfrm>
+          <a:prstGeom prst="rect">
+            <a:avLst/>
+          </a:prstGeom>
+          <a:solidFill>
+            <a:schemeClr val="bg1"/>
+          </a:solidFill>
+          <a:ln>
+            <a:solidFill>
+              <a:schemeClr val="tx1"/>
+            </a:solidFill>
+          </a:ln>
+        </p:spPr>
+        <p:style>
+          <a:lnRef idx="2">
+            <a:schemeClr val="accent1">
+              <a:shade val="50000"/>
+            </a:schemeClr>
+          </a:lnRef>
+          <a:fillRef idx="1">
+            <a:schemeClr val="accent1"/>
+          </a:fillRef>
+          <a:effectRef idx="0">
+            <a:schemeClr val="accent1"/>
+          </a:effectRef>
+          <a:fontRef idx="minor">
+            <a:schemeClr val="lt1"/>
+          </a:fontRef>
+        </p:style>
+        <p:txBody>
+          <a:bodyPr rtlCol="0" anchor="ctr"/>
+          <a:lstStyle/>
+          <a:p>
+            <a:pPr algn="ctr"/>
+            <a:r>
+              <a:rPr lang="pl-PL" dirty="0">
+                <a:solidFill>
+                  <a:schemeClr val="tx1"/>
+                </a:solidFill>
+              </a:rPr>
+              <a:t>Router</a:t>
+            </a:r>
+          </a:p>
+        </p:txBody>
+      </p:sp>
+      <p:cxnSp>
+        <p:nvCxnSpPr>
+          <p:cNvPr id="33" name="Łącznik: łamany 32"/>
+          <p:cNvCxnSpPr>
+            <a:stCxn id="11" idx="0"/>
+            <a:endCxn id="29" idx="0"/>
+          </p:cNvCxnSpPr>
+          <p:nvPr/>
+        </p:nvCxnSpPr>
+        <p:spPr>
+          <a:xfrm rot="16200000" flipH="1" flipV="1">
+            <a:off x="3159077" y="-1122069"/>
+            <a:ext cx="452396" cy="3965161"/>
+          </a:xfrm>
+          <a:prstGeom prst="bentConnector3">
+            <a:avLst>
+              <a:gd name="adj1" fmla="val -50531"/>
+            </a:avLst>
+          </a:prstGeom>
+          <a:ln w="76200">
+            <a:solidFill>
+              <a:schemeClr val="accent5"/>
+            </a:solidFill>
+            <a:tailEnd type="triangle"/>
+          </a:ln>
+        </p:spPr>
+        <p:style>
+          <a:lnRef idx="1">
+            <a:schemeClr val="accent1"/>
+          </a:lnRef>
+          <a:fillRef idx="0">
+            <a:schemeClr val="accent1"/>
+          </a:fillRef>
+          <a:effectRef idx="0">
+            <a:schemeClr val="accent1"/>
+          </a:effectRef>
+          <a:fontRef idx="minor">
+            <a:schemeClr val="tx1"/>
+          </a:fontRef>
+        </p:style>
+      </p:cxnSp>
+      <p:cxnSp>
+        <p:nvCxnSpPr>
+          <p:cNvPr id="40" name="Łącznik: łamany 39"/>
+          <p:cNvCxnSpPr/>
+          <p:nvPr/>
+        </p:nvCxnSpPr>
+        <p:spPr>
+          <a:xfrm rot="10800000">
+            <a:off x="2415564" y="1571713"/>
+            <a:ext cx="1965178" cy="1153982"/>
+          </a:xfrm>
+          <a:prstGeom prst="bentConnector3">
+            <a:avLst>
+              <a:gd name="adj1" fmla="val 41480"/>
+            </a:avLst>
+          </a:prstGeom>
+          <a:ln w="76200">
+            <a:solidFill>
+              <a:schemeClr val="tx1"/>
+            </a:solidFill>
+            <a:tailEnd type="triangle"/>
+          </a:ln>
+        </p:spPr>
+        <p:style>
+          <a:lnRef idx="1">
+            <a:schemeClr val="accent1"/>
+          </a:lnRef>
+          <a:fillRef idx="0">
+            <a:schemeClr val="accent1"/>
+          </a:fillRef>
+          <a:effectRef idx="0">
+            <a:schemeClr val="accent1"/>
+          </a:effectRef>
+          <a:fontRef idx="minor">
+            <a:schemeClr val="tx1"/>
+          </a:fontRef>
+        </p:style>
+      </p:cxnSp>
+      <p:sp>
+        <p:nvSpPr>
+          <p:cNvPr id="45" name="pole tekstowe 44"/>
+          <p:cNvSpPr txBox="1"/>
+          <p:nvPr/>
+        </p:nvSpPr>
+        <p:spPr>
+          <a:xfrm>
+            <a:off x="2424447" y="1630030"/>
+            <a:ext cx="1027629" cy="369332"/>
+          </a:xfrm>
+          <a:prstGeom prst="rect">
+            <a:avLst/>
+          </a:prstGeom>
+          <a:noFill/>
+        </p:spPr>
+        <p:txBody>
+          <a:bodyPr wrap="square" rtlCol="0">
+            <a:spAutoFit/>
+          </a:bodyPr>
+          <a:lstStyle/>
+          <a:p>
+            <a:r>
+              <a:rPr lang="pl-PL" dirty="0"/>
+              <a:t>Ethernet</a:t>
+            </a:r>
+          </a:p>
+        </p:txBody>
+      </p:sp>
+      <p:sp>
+        <p:nvSpPr>
+          <p:cNvPr id="46" name="Prostokąt 45"/>
+          <p:cNvSpPr/>
+          <p:nvPr/>
+        </p:nvSpPr>
+        <p:spPr>
+          <a:xfrm>
+            <a:off x="7658631" y="621958"/>
+            <a:ext cx="1999983" cy="970005"/>
+          </a:xfrm>
+          <a:prstGeom prst="rect">
+            <a:avLst/>
+          </a:prstGeom>
+          <a:solidFill>
+            <a:schemeClr val="bg1"/>
+          </a:solidFill>
+          <a:ln>
+            <a:solidFill>
+              <a:schemeClr val="tx1"/>
+            </a:solidFill>
+          </a:ln>
+        </p:spPr>
+        <p:style>
+          <a:lnRef idx="2">
+            <a:schemeClr val="accent1">
+              <a:shade val="50000"/>
+            </a:schemeClr>
+          </a:lnRef>
+          <a:fillRef idx="1">
+            <a:schemeClr val="accent1"/>
+          </a:fillRef>
+          <a:effectRef idx="0">
+            <a:schemeClr val="accent1"/>
+          </a:effectRef>
+          <a:fontRef idx="minor">
+            <a:schemeClr val="lt1"/>
+          </a:fontRef>
+        </p:style>
+        <p:txBody>
+          <a:bodyPr rtlCol="0" anchor="ctr"/>
+          <a:lstStyle/>
+          <a:p>
+            <a:pPr algn="ctr"/>
+            <a:r>
+              <a:rPr lang="pl-PL" dirty="0">
+                <a:solidFill>
+                  <a:schemeClr val="tx1"/>
+                </a:solidFill>
+              </a:rPr>
+              <a:t>Akumulator Li-Pol</a:t>
+            </a:r>
+          </a:p>
+          <a:p>
+            <a:pPr algn="ctr"/>
+            <a:r>
+              <a:rPr lang="pl-PL" dirty="0">
+                <a:solidFill>
+                  <a:schemeClr val="tx1"/>
+                </a:solidFill>
+              </a:rPr>
+              <a:t>3-celowy</a:t>
+            </a:r>
+          </a:p>
+        </p:txBody>
+      </p:sp>
+      <p:sp>
+        <p:nvSpPr>
+          <p:cNvPr id="47" name="Prostokąt 46"/>
+          <p:cNvSpPr/>
+          <p:nvPr/>
+        </p:nvSpPr>
+        <p:spPr>
+          <a:xfrm>
+            <a:off x="9372351" y="2215978"/>
+            <a:ext cx="1999983" cy="970005"/>
+          </a:xfrm>
+          <a:prstGeom prst="rect">
+            <a:avLst/>
+          </a:prstGeom>
+          <a:solidFill>
+            <a:schemeClr val="bg1"/>
+          </a:solidFill>
+          <a:ln>
+            <a:solidFill>
+              <a:schemeClr val="tx1"/>
+            </a:solidFill>
+          </a:ln>
+        </p:spPr>
+        <p:style>
+          <a:lnRef idx="2">
+            <a:schemeClr val="accent1">
+              <a:shade val="50000"/>
+            </a:schemeClr>
+          </a:lnRef>
+          <a:fillRef idx="1">
+            <a:schemeClr val="accent1"/>
+          </a:fillRef>
+          <a:effectRef idx="0">
+            <a:schemeClr val="accent1"/>
+          </a:effectRef>
+          <a:fontRef idx="minor">
+            <a:schemeClr val="lt1"/>
+          </a:fontRef>
+        </p:style>
+        <p:txBody>
+          <a:bodyPr rtlCol="0" anchor="ctr"/>
+          <a:lstStyle/>
+          <a:p>
+            <a:pPr algn="ctr"/>
+            <a:r>
+              <a:rPr lang="pl-PL" dirty="0">
+                <a:solidFill>
+                  <a:schemeClr val="tx1"/>
+                </a:solidFill>
+              </a:rPr>
+              <a:t>Włącznik, Przetwornica dla modułu rozszerzeń</a:t>
+            </a:r>
+          </a:p>
+        </p:txBody>
+      </p:sp>
+      <p:cxnSp>
+        <p:nvCxnSpPr>
+          <p:cNvPr id="48" name="Łącznik: łamany 47"/>
+          <p:cNvCxnSpPr>
+            <a:stCxn id="46" idx="2"/>
+            <a:endCxn id="47" idx="0"/>
+          </p:cNvCxnSpPr>
+          <p:nvPr/>
+        </p:nvCxnSpPr>
+        <p:spPr>
+          <a:xfrm rot="16200000" flipH="1">
+            <a:off x="9203476" y="1047110"/>
+            <a:ext cx="624015" cy="1713720"/>
+          </a:xfrm>
+          <a:prstGeom prst="bentConnector3">
+            <a:avLst>
+              <a:gd name="adj1" fmla="val 50000"/>
+            </a:avLst>
+          </a:prstGeom>
+          <a:ln w="76200">
+            <a:solidFill>
+              <a:srgbClr val="FF0000"/>
+            </a:solidFill>
+            <a:tailEnd type="triangle"/>
+          </a:ln>
+        </p:spPr>
+        <p:style>
+          <a:lnRef idx="1">
+            <a:schemeClr val="accent1"/>
+          </a:lnRef>
+          <a:fillRef idx="0">
+            <a:schemeClr val="accent1"/>
+          </a:fillRef>
+          <a:effectRef idx="0">
+            <a:schemeClr val="accent1"/>
+          </a:effectRef>
+          <a:fontRef idx="minor">
+            <a:schemeClr val="tx1"/>
+          </a:fontRef>
+        </p:style>
+      </p:cxnSp>
+      <p:cxnSp>
+        <p:nvCxnSpPr>
+          <p:cNvPr id="52" name="Łącznik: łamany 51"/>
+          <p:cNvCxnSpPr>
+            <a:stCxn id="47" idx="1"/>
+            <a:endCxn id="11" idx="3"/>
+          </p:cNvCxnSpPr>
+          <p:nvPr/>
+        </p:nvCxnSpPr>
+        <p:spPr>
+          <a:xfrm rot="10800000">
+            <a:off x="6367847" y="1119317"/>
+            <a:ext cx="3004505" cy="1581664"/>
+          </a:xfrm>
+          <a:prstGeom prst="bentConnector3">
+            <a:avLst>
+              <a:gd name="adj1" fmla="val 62338"/>
+            </a:avLst>
+          </a:prstGeom>
+          <a:ln w="76200">
+            <a:solidFill>
+              <a:srgbClr val="FF0000"/>
+            </a:solidFill>
+            <a:tailEnd type="triangle"/>
+          </a:ln>
+        </p:spPr>
+        <p:style>
+          <a:lnRef idx="1">
+            <a:schemeClr val="accent1"/>
+          </a:lnRef>
+          <a:fillRef idx="0">
+            <a:schemeClr val="accent1"/>
+          </a:fillRef>
+          <a:effectRef idx="0">
+            <a:schemeClr val="accent1"/>
+          </a:effectRef>
+          <a:fontRef idx="minor">
+            <a:schemeClr val="tx1"/>
+          </a:fontRef>
+        </p:style>
+      </p:cxnSp>
+      <p:cxnSp>
+        <p:nvCxnSpPr>
+          <p:cNvPr id="56" name="Łącznik: łamany 55"/>
+          <p:cNvCxnSpPr>
+            <a:stCxn id="47" idx="2"/>
+            <a:endCxn id="3" idx="0"/>
+          </p:cNvCxnSpPr>
+          <p:nvPr/>
+        </p:nvCxnSpPr>
+        <p:spPr>
+          <a:xfrm rot="5400000">
+            <a:off x="9646383" y="3285867"/>
+            <a:ext cx="825844" cy="626076"/>
+          </a:xfrm>
+          <a:prstGeom prst="bentConnector3">
+            <a:avLst>
+              <a:gd name="adj1" fmla="val 50000"/>
+            </a:avLst>
+          </a:prstGeom>
+          <a:ln w="76200">
+            <a:solidFill>
+              <a:srgbClr val="FF0000"/>
+            </a:solidFill>
+            <a:tailEnd type="triangle"/>
+          </a:ln>
+        </p:spPr>
+        <p:style>
+          <a:lnRef idx="1">
+            <a:schemeClr val="accent1"/>
+          </a:lnRef>
+          <a:fillRef idx="0">
+            <a:schemeClr val="accent1"/>
+          </a:fillRef>
+          <a:effectRef idx="0">
+            <a:schemeClr val="accent1"/>
+          </a:effectRef>
+          <a:fontRef idx="minor">
+            <a:schemeClr val="tx1"/>
+          </a:fontRef>
+        </p:style>
+      </p:cxnSp>
+      <p:sp>
+        <p:nvSpPr>
+          <p:cNvPr id="66" name="Prostokąt 65"/>
+          <p:cNvSpPr/>
+          <p:nvPr/>
+        </p:nvSpPr>
+        <p:spPr>
+          <a:xfrm>
+            <a:off x="8746275" y="5662999"/>
+            <a:ext cx="1999983" cy="470758"/>
+          </a:xfrm>
+          <a:prstGeom prst="rect">
+            <a:avLst/>
+          </a:prstGeom>
+          <a:solidFill>
+            <a:schemeClr val="bg1"/>
+          </a:solidFill>
+          <a:ln>
+            <a:solidFill>
+              <a:schemeClr val="tx1"/>
+            </a:solidFill>
+          </a:ln>
+        </p:spPr>
+        <p:style>
+          <a:lnRef idx="2">
+            <a:schemeClr val="accent1">
+              <a:shade val="50000"/>
+            </a:schemeClr>
+          </a:lnRef>
+          <a:fillRef idx="1">
+            <a:schemeClr val="accent1"/>
+          </a:fillRef>
+          <a:effectRef idx="0">
+            <a:schemeClr val="accent1"/>
+          </a:effectRef>
+          <a:fontRef idx="minor">
+            <a:schemeClr val="lt1"/>
+          </a:fontRef>
+        </p:style>
+        <p:txBody>
+          <a:bodyPr rtlCol="0" anchor="ctr"/>
+          <a:lstStyle/>
+          <a:p>
+            <a:pPr algn="ctr"/>
+            <a:r>
+              <a:rPr lang="pl-PL" dirty="0">
+                <a:solidFill>
+                  <a:schemeClr val="tx1"/>
+                </a:solidFill>
+              </a:rPr>
+              <a:t>2x </a:t>
+            </a:r>
+            <a:r>
+              <a:rPr lang="pl-PL" dirty="0" err="1">
+                <a:solidFill>
+                  <a:schemeClr val="tx1"/>
+                </a:solidFill>
+              </a:rPr>
+              <a:t>serwo</a:t>
+            </a:r>
+            <a:r>
+              <a:rPr lang="pl-PL" dirty="0">
+                <a:solidFill>
+                  <a:schemeClr val="tx1"/>
+                </a:solidFill>
+              </a:rPr>
+              <a:t> 360*</a:t>
+            </a:r>
+          </a:p>
+        </p:txBody>
+      </p:sp>
+      <p:cxnSp>
+        <p:nvCxnSpPr>
+          <p:cNvPr id="67" name="Łącznik: łamany 66"/>
+          <p:cNvCxnSpPr>
+            <a:stCxn id="3" idx="3"/>
+            <a:endCxn id="66" idx="3"/>
+          </p:cNvCxnSpPr>
+          <p:nvPr/>
+        </p:nvCxnSpPr>
+        <p:spPr>
+          <a:xfrm>
+            <a:off x="10746258" y="4496830"/>
+            <a:ext cx="12700" cy="1401548"/>
+          </a:xfrm>
+          <a:prstGeom prst="bentConnector3">
+            <a:avLst>
+              <a:gd name="adj1" fmla="val 3422535"/>
+            </a:avLst>
+          </a:prstGeom>
+          <a:ln w="76200">
+            <a:solidFill>
+              <a:schemeClr val="tx1"/>
+            </a:solidFill>
+            <a:tailEnd type="triangle"/>
+          </a:ln>
+        </p:spPr>
+        <p:style>
+          <a:lnRef idx="1">
+            <a:schemeClr val="accent1"/>
+          </a:lnRef>
+          <a:fillRef idx="0">
+            <a:schemeClr val="accent1"/>
+          </a:fillRef>
+          <a:effectRef idx="0">
+            <a:schemeClr val="accent1"/>
+          </a:effectRef>
+          <a:fontRef idx="minor">
+            <a:schemeClr val="tx1"/>
+          </a:fontRef>
+        </p:style>
+      </p:cxnSp>
+      <p:cxnSp>
+        <p:nvCxnSpPr>
+          <p:cNvPr id="71" name="Łącznik: łamany 70"/>
+          <p:cNvCxnSpPr>
+            <a:stCxn id="3" idx="3"/>
+            <a:endCxn id="66" idx="1"/>
+          </p:cNvCxnSpPr>
+          <p:nvPr/>
+        </p:nvCxnSpPr>
+        <p:spPr>
+          <a:xfrm flipH="1">
+            <a:off x="8746275" y="4496830"/>
+            <a:ext cx="1999983" cy="1401548"/>
+          </a:xfrm>
+          <a:prstGeom prst="bentConnector5">
+            <a:avLst>
+              <a:gd name="adj1" fmla="val -11430"/>
+              <a:gd name="adj2" fmla="val 58905"/>
+              <a:gd name="adj3" fmla="val 119157"/>
+            </a:avLst>
+          </a:prstGeom>
+          <a:ln w="76200">
+            <a:solidFill>
+              <a:schemeClr val="tx1"/>
+            </a:solidFill>
+            <a:tailEnd type="triangle"/>
+          </a:ln>
+        </p:spPr>
+        <p:style>
+          <a:lnRef idx="1">
+            <a:schemeClr val="accent1"/>
+          </a:lnRef>
+          <a:fillRef idx="0">
+            <a:schemeClr val="accent1"/>
+          </a:fillRef>
+          <a:effectRef idx="0">
+            <a:schemeClr val="accent1"/>
+          </a:effectRef>
+          <a:fontRef idx="minor">
+            <a:schemeClr val="tx1"/>
+          </a:fontRef>
+        </p:style>
+      </p:cxnSp>
+      <p:sp>
+        <p:nvSpPr>
+          <p:cNvPr id="92" name="Prostokąt 91"/>
+          <p:cNvSpPr/>
+          <p:nvPr/>
+        </p:nvSpPr>
+        <p:spPr>
+          <a:xfrm>
+            <a:off x="269007" y="5472944"/>
+            <a:ext cx="1999983" cy="970005"/>
+          </a:xfrm>
+          <a:prstGeom prst="rect">
+            <a:avLst/>
+          </a:prstGeom>
+          <a:solidFill>
+            <a:schemeClr val="bg1"/>
+          </a:solidFill>
+          <a:ln>
+            <a:solidFill>
+              <a:schemeClr val="tx1"/>
+            </a:solidFill>
+          </a:ln>
+        </p:spPr>
+        <p:style>
+          <a:lnRef idx="2">
+            <a:schemeClr val="accent1">
+              <a:shade val="50000"/>
+            </a:schemeClr>
+          </a:lnRef>
+          <a:fillRef idx="1">
+            <a:schemeClr val="accent1"/>
+          </a:fillRef>
+          <a:effectRef idx="0">
+            <a:schemeClr val="accent1"/>
+          </a:effectRef>
+          <a:fontRef idx="minor">
+            <a:schemeClr val="lt1"/>
+          </a:fontRef>
+        </p:style>
+        <p:txBody>
+          <a:bodyPr rtlCol="0" anchor="ctr"/>
+          <a:lstStyle/>
+          <a:p>
+            <a:pPr algn="ctr"/>
+            <a:r>
+              <a:rPr lang="pl-PL" dirty="0">
+                <a:solidFill>
+                  <a:schemeClr val="tx1"/>
+                </a:solidFill>
+              </a:rPr>
+              <a:t>Klawiatura multimedialna (</a:t>
+            </a:r>
+            <a:r>
+              <a:rPr lang="pl-PL" dirty="0" err="1">
+                <a:solidFill>
+                  <a:schemeClr val="tx1"/>
+                </a:solidFill>
+              </a:rPr>
+              <a:t>wireless</a:t>
+            </a:r>
+            <a:r>
+              <a:rPr lang="pl-PL" dirty="0">
+                <a:solidFill>
+                  <a:schemeClr val="tx1"/>
+                </a:solidFill>
+              </a:rPr>
+              <a:t>)</a:t>
+            </a:r>
+          </a:p>
+        </p:txBody>
+      </p:sp>
+      <p:cxnSp>
+        <p:nvCxnSpPr>
+          <p:cNvPr id="97" name="Łącznik: łamany 96"/>
+          <p:cNvCxnSpPr>
+            <a:stCxn id="2" idx="1"/>
+            <a:endCxn id="92" idx="3"/>
+          </p:cNvCxnSpPr>
+          <p:nvPr/>
+        </p:nvCxnSpPr>
+        <p:spPr>
+          <a:xfrm rot="10800000" flipV="1">
+            <a:off x="2268991" y="2725695"/>
+            <a:ext cx="2098873" cy="3232252"/>
+          </a:xfrm>
+          <a:prstGeom prst="bentConnector3">
+            <a:avLst>
+              <a:gd name="adj1" fmla="val 37114"/>
+            </a:avLst>
+          </a:prstGeom>
+          <a:ln w="76200">
+            <a:solidFill>
+              <a:srgbClr val="FFC000"/>
+            </a:solidFill>
+            <a:tailEnd type="triangle"/>
+          </a:ln>
+        </p:spPr>
+        <p:style>
+          <a:lnRef idx="1">
+            <a:schemeClr val="accent1"/>
+          </a:lnRef>
+          <a:fillRef idx="0">
+            <a:schemeClr val="accent1"/>
+          </a:fillRef>
+          <a:effectRef idx="0">
+            <a:schemeClr val="accent1"/>
+          </a:effectRef>
+          <a:fontRef idx="minor">
+            <a:schemeClr val="tx1"/>
+          </a:fontRef>
+        </p:style>
+      </p:cxnSp>
+      <p:cxnSp>
+        <p:nvCxnSpPr>
+          <p:cNvPr id="100" name="Łącznik: łamany 99"/>
+          <p:cNvCxnSpPr>
+            <a:stCxn id="2" idx="1"/>
+            <a:endCxn id="39" idx="3"/>
+          </p:cNvCxnSpPr>
+          <p:nvPr/>
+        </p:nvCxnSpPr>
+        <p:spPr>
+          <a:xfrm rot="10800000" flipV="1">
+            <a:off x="2468137" y="2725694"/>
+            <a:ext cx="1899727" cy="1090651"/>
+          </a:xfrm>
+          <a:prstGeom prst="bentConnector3">
+            <a:avLst>
+              <a:gd name="adj1" fmla="val 42543"/>
+            </a:avLst>
+          </a:prstGeom>
+          <a:ln w="76200">
+            <a:solidFill>
+              <a:srgbClr val="FFC000"/>
+            </a:solidFill>
+            <a:tailEnd type="triangle"/>
+          </a:ln>
+        </p:spPr>
+        <p:style>
+          <a:lnRef idx="1">
+            <a:schemeClr val="accent1"/>
+          </a:lnRef>
+          <a:fillRef idx="0">
+            <a:schemeClr val="accent1"/>
+          </a:fillRef>
+          <a:effectRef idx="0">
+            <a:schemeClr val="accent1"/>
+          </a:effectRef>
+          <a:fontRef idx="minor">
+            <a:schemeClr val="tx1"/>
+          </a:fontRef>
+        </p:style>
+      </p:cxnSp>
+      <p:sp>
+        <p:nvSpPr>
+          <p:cNvPr id="106" name="Prostokąt 105"/>
+          <p:cNvSpPr/>
+          <p:nvPr/>
+        </p:nvSpPr>
+        <p:spPr>
+          <a:xfrm>
+            <a:off x="10068447" y="590549"/>
+            <a:ext cx="1999983" cy="970005"/>
+          </a:xfrm>
+          <a:prstGeom prst="rect">
+            <a:avLst/>
+          </a:prstGeom>
+          <a:solidFill>
+            <a:schemeClr val="bg1"/>
+          </a:solidFill>
+          <a:ln>
+            <a:solidFill>
+              <a:schemeClr val="tx1"/>
+            </a:solidFill>
+          </a:ln>
+        </p:spPr>
+        <p:style>
+          <a:lnRef idx="2">
+            <a:schemeClr val="accent1">
+              <a:shade val="50000"/>
+            </a:schemeClr>
+          </a:lnRef>
+          <a:fillRef idx="1">
+            <a:schemeClr val="accent1"/>
+          </a:fillRef>
+          <a:effectRef idx="0">
+            <a:schemeClr val="accent1"/>
+          </a:effectRef>
+          <a:fontRef idx="minor">
+            <a:schemeClr val="lt1"/>
+          </a:fontRef>
+        </p:style>
+        <p:txBody>
+          <a:bodyPr rtlCol="0" anchor="ctr"/>
+          <a:lstStyle/>
+          <a:p>
+            <a:pPr algn="ctr"/>
+            <a:r>
+              <a:rPr lang="pl-PL" dirty="0">
+                <a:solidFill>
+                  <a:schemeClr val="tx1"/>
+                </a:solidFill>
+              </a:rPr>
+              <a:t>Tester lipo</a:t>
+            </a:r>
+          </a:p>
+        </p:txBody>
+      </p:sp>
+      <p:cxnSp>
+        <p:nvCxnSpPr>
+          <p:cNvPr id="110" name="Łącznik: łamany 109"/>
+          <p:cNvCxnSpPr>
+            <a:stCxn id="106" idx="1"/>
+            <a:endCxn id="46" idx="3"/>
+          </p:cNvCxnSpPr>
+          <p:nvPr/>
+        </p:nvCxnSpPr>
+        <p:spPr>
+          <a:xfrm rot="10800000" flipV="1">
+            <a:off x="9658615" y="1075551"/>
+            <a:ext cx="409833" cy="31409"/>
+          </a:xfrm>
+          <a:prstGeom prst="bentConnector3">
+            <a:avLst>
+              <a:gd name="adj1" fmla="val 50000"/>
+            </a:avLst>
+          </a:prstGeom>
+          <a:ln w="76200">
+            <a:solidFill>
+              <a:srgbClr val="FF0000"/>
+            </a:solidFill>
+            <a:tailEnd type="triangle"/>
+          </a:ln>
+        </p:spPr>
+        <p:style>
+          <a:lnRef idx="1">
+            <a:schemeClr val="accent1"/>
+          </a:lnRef>
+          <a:fillRef idx="0">
+            <a:schemeClr val="accent1"/>
+          </a:fillRef>
+          <a:effectRef idx="0">
+            <a:schemeClr val="accent1"/>
+          </a:effectRef>
+          <a:fontRef idx="minor">
+            <a:schemeClr val="tx1"/>
+          </a:fontRef>
+        </p:style>
+      </p:cxnSp>
+      <p:sp>
+        <p:nvSpPr>
+          <p:cNvPr id="31" name="pole tekstowe 30"/>
+          <p:cNvSpPr txBox="1"/>
+          <p:nvPr/>
+        </p:nvSpPr>
+        <p:spPr>
+          <a:xfrm>
+            <a:off x="7580789" y="4452956"/>
+            <a:ext cx="844622" cy="369332"/>
+          </a:xfrm>
+          <a:prstGeom prst="rect">
+            <a:avLst/>
+          </a:prstGeom>
+          <a:noFill/>
+        </p:spPr>
+        <p:txBody>
+          <a:bodyPr wrap="square" rtlCol="0">
+            <a:spAutoFit/>
+          </a:bodyPr>
+          <a:lstStyle/>
+          <a:p>
+            <a:r>
+              <a:rPr lang="pl-PL" dirty="0"/>
+              <a:t>40 pin</a:t>
+            </a:r>
+          </a:p>
+        </p:txBody>
+      </p:sp>
+      <p:sp>
+        <p:nvSpPr>
+          <p:cNvPr id="32" name="pole tekstowe 31"/>
+          <p:cNvSpPr txBox="1"/>
+          <p:nvPr/>
+        </p:nvSpPr>
+        <p:spPr>
+          <a:xfrm>
+            <a:off x="6625425" y="769956"/>
+            <a:ext cx="844622" cy="369332"/>
+          </a:xfrm>
+          <a:prstGeom prst="rect">
+            <a:avLst/>
+          </a:prstGeom>
+          <a:noFill/>
+        </p:spPr>
+        <p:txBody>
+          <a:bodyPr wrap="square" rtlCol="0">
+            <a:spAutoFit/>
+          </a:bodyPr>
+          <a:lstStyle/>
+          <a:p>
+            <a:r>
+              <a:rPr lang="pl-PL" dirty="0"/>
+              <a:t>11,1V</a:t>
+            </a:r>
+          </a:p>
+        </p:txBody>
+      </p:sp>
+      <p:sp>
+        <p:nvSpPr>
+          <p:cNvPr id="35" name="pole tekstowe 34"/>
+          <p:cNvSpPr txBox="1"/>
+          <p:nvPr/>
+        </p:nvSpPr>
+        <p:spPr>
+          <a:xfrm>
+            <a:off x="9313987" y="1546309"/>
+            <a:ext cx="844622" cy="369332"/>
+          </a:xfrm>
+          <a:prstGeom prst="rect">
+            <a:avLst/>
+          </a:prstGeom>
+          <a:noFill/>
+        </p:spPr>
+        <p:txBody>
+          <a:bodyPr wrap="square" rtlCol="0">
+            <a:spAutoFit/>
+          </a:bodyPr>
+          <a:lstStyle/>
+          <a:p>
+            <a:r>
+              <a:rPr lang="pl-PL" dirty="0"/>
+              <a:t>11,1V</a:t>
+            </a:r>
+          </a:p>
+        </p:txBody>
+      </p:sp>
+      <p:cxnSp>
+        <p:nvCxnSpPr>
+          <p:cNvPr id="36" name="Łącznik: łamany 35"/>
+          <p:cNvCxnSpPr>
+            <a:stCxn id="11" idx="1"/>
+            <a:endCxn id="17" idx="0"/>
+          </p:cNvCxnSpPr>
+          <p:nvPr/>
+        </p:nvCxnSpPr>
+        <p:spPr>
+          <a:xfrm rot="10800000" flipH="1" flipV="1">
+            <a:off x="4367863" y="1119316"/>
+            <a:ext cx="1133686" cy="3588607"/>
+          </a:xfrm>
+          <a:prstGeom prst="bentConnector4">
+            <a:avLst>
+              <a:gd name="adj1" fmla="val -20164"/>
+              <a:gd name="adj2" fmla="val 86904"/>
+            </a:avLst>
+          </a:prstGeom>
+          <a:ln w="76200">
+            <a:solidFill>
+              <a:schemeClr val="accent5"/>
+            </a:solidFill>
+            <a:tailEnd type="triangle"/>
+          </a:ln>
+        </p:spPr>
+        <p:style>
+          <a:lnRef idx="1">
+            <a:schemeClr val="accent1"/>
+          </a:lnRef>
+          <a:fillRef idx="0">
+            <a:schemeClr val="accent1"/>
+          </a:fillRef>
+          <a:effectRef idx="0">
+            <a:schemeClr val="accent1"/>
+          </a:effectRef>
+          <a:fontRef idx="minor">
+            <a:schemeClr val="tx1"/>
+          </a:fontRef>
+        </p:style>
+      </p:cxnSp>
+      <p:sp>
+        <p:nvSpPr>
+          <p:cNvPr id="39" name="Prostokąt 38"/>
+          <p:cNvSpPr/>
+          <p:nvPr/>
+        </p:nvSpPr>
+        <p:spPr>
+          <a:xfrm>
+            <a:off x="468153" y="3331343"/>
+            <a:ext cx="1999983" cy="970005"/>
+          </a:xfrm>
+          <a:prstGeom prst="rect">
+            <a:avLst/>
+          </a:prstGeom>
+          <a:solidFill>
+            <a:schemeClr val="bg1"/>
+          </a:solidFill>
+          <a:ln>
+            <a:solidFill>
+              <a:schemeClr val="tx1"/>
+            </a:solidFill>
+          </a:ln>
+        </p:spPr>
+        <p:style>
+          <a:lnRef idx="2">
+            <a:schemeClr val="accent1">
+              <a:shade val="50000"/>
+            </a:schemeClr>
+          </a:lnRef>
+          <a:fillRef idx="1">
+            <a:schemeClr val="accent1"/>
+          </a:fillRef>
+          <a:effectRef idx="0">
+            <a:schemeClr val="accent1"/>
+          </a:effectRef>
+          <a:fontRef idx="minor">
+            <a:schemeClr val="lt1"/>
+          </a:fontRef>
+        </p:style>
+        <p:txBody>
+          <a:bodyPr rtlCol="0" anchor="ctr"/>
+          <a:lstStyle/>
+          <a:p>
+            <a:pPr algn="ctr"/>
+            <a:r>
+              <a:rPr lang="pl-PL" dirty="0">
+                <a:solidFill>
+                  <a:schemeClr val="tx1"/>
+                </a:solidFill>
+              </a:rPr>
+              <a:t>Moduł</a:t>
+            </a:r>
+          </a:p>
+          <a:p>
+            <a:pPr algn="ctr"/>
+            <a:r>
+              <a:rPr lang="pl-PL" dirty="0" err="1">
+                <a:solidFill>
+                  <a:schemeClr val="tx1"/>
+                </a:solidFill>
+              </a:rPr>
+              <a:t>Arduino</a:t>
+            </a:r>
+            <a:r>
+              <a:rPr lang="pl-PL" dirty="0">
+                <a:solidFill>
+                  <a:schemeClr val="tx1"/>
+                </a:solidFill>
+              </a:rPr>
+              <a:t> Nano</a:t>
+            </a:r>
+          </a:p>
+        </p:txBody>
+      </p:sp>
+      <p:cxnSp>
+        <p:nvCxnSpPr>
+          <p:cNvPr id="43" name="Łącznik: łamany 42"/>
+          <p:cNvCxnSpPr>
+            <a:stCxn id="11" idx="0"/>
+            <a:endCxn id="39" idx="1"/>
+          </p:cNvCxnSpPr>
+          <p:nvPr/>
+        </p:nvCxnSpPr>
+        <p:spPr>
+          <a:xfrm rot="16200000" flipH="1" flipV="1">
+            <a:off x="1326988" y="-224521"/>
+            <a:ext cx="3182032" cy="4899702"/>
+          </a:xfrm>
+          <a:prstGeom prst="bentConnector4">
+            <a:avLst>
+              <a:gd name="adj1" fmla="val -7184"/>
+              <a:gd name="adj2" fmla="val 106769"/>
+            </a:avLst>
+          </a:prstGeom>
+          <a:ln w="76200">
+            <a:solidFill>
+              <a:schemeClr val="accent5"/>
+            </a:solidFill>
+            <a:tailEnd type="triangle"/>
+          </a:ln>
+        </p:spPr>
+        <p:style>
+          <a:lnRef idx="1">
+            <a:schemeClr val="accent1"/>
+          </a:lnRef>
+          <a:fillRef idx="0">
+            <a:schemeClr val="accent1"/>
+          </a:fillRef>
+          <a:effectRef idx="0">
+            <a:schemeClr val="accent1"/>
+          </a:effectRef>
+          <a:fontRef idx="minor">
+            <a:schemeClr val="tx1"/>
+          </a:fontRef>
+        </p:style>
+      </p:cxnSp>
+      <p:sp>
+        <p:nvSpPr>
+          <p:cNvPr id="65" name="pole tekstowe 64"/>
+          <p:cNvSpPr txBox="1"/>
+          <p:nvPr/>
+        </p:nvSpPr>
+        <p:spPr>
+          <a:xfrm>
+            <a:off x="10730209" y="4037570"/>
+            <a:ext cx="1338221" cy="369332"/>
+          </a:xfrm>
+          <a:prstGeom prst="rect">
+            <a:avLst/>
+          </a:prstGeom>
+          <a:noFill/>
+        </p:spPr>
+        <p:txBody>
+          <a:bodyPr wrap="square" rtlCol="0">
+            <a:spAutoFit/>
+          </a:bodyPr>
+          <a:lstStyle/>
+          <a:p>
+            <a:r>
+              <a:rPr lang="pl-PL" dirty="0"/>
+              <a:t>Złącza serw</a:t>
+            </a:r>
+          </a:p>
+        </p:txBody>
+      </p:sp>
+      <p:sp>
+        <p:nvSpPr>
+          <p:cNvPr id="76" name="Prostokąt 75"/>
+          <p:cNvSpPr/>
+          <p:nvPr/>
+        </p:nvSpPr>
+        <p:spPr>
+          <a:xfrm>
+            <a:off x="8757006" y="6214648"/>
+            <a:ext cx="1999983" cy="470758"/>
+          </a:xfrm>
+          <a:prstGeom prst="rect">
+            <a:avLst/>
+          </a:prstGeom>
+          <a:solidFill>
+            <a:schemeClr val="bg1"/>
+          </a:solidFill>
+          <a:ln>
+            <a:solidFill>
+              <a:schemeClr val="tx1"/>
+            </a:solidFill>
+          </a:ln>
+        </p:spPr>
+        <p:style>
+          <a:lnRef idx="2">
+            <a:schemeClr val="accent1">
+              <a:shade val="50000"/>
+            </a:schemeClr>
+          </a:lnRef>
+          <a:fillRef idx="1">
+            <a:schemeClr val="accent1"/>
+          </a:fillRef>
+          <a:effectRef idx="0">
+            <a:schemeClr val="accent1"/>
+          </a:effectRef>
+          <a:fontRef idx="minor">
+            <a:schemeClr val="lt1"/>
+          </a:fontRef>
+        </p:style>
+        <p:txBody>
+          <a:bodyPr rtlCol="0" anchor="ctr"/>
+          <a:lstStyle/>
+          <a:p>
+            <a:pPr algn="ctr"/>
+            <a:r>
+              <a:rPr lang="pl-PL" dirty="0">
+                <a:solidFill>
+                  <a:schemeClr val="tx1"/>
+                </a:solidFill>
+              </a:rPr>
+              <a:t>Micro </a:t>
+            </a:r>
+            <a:r>
+              <a:rPr lang="pl-PL" dirty="0" err="1">
+                <a:solidFill>
+                  <a:schemeClr val="tx1"/>
+                </a:solidFill>
+              </a:rPr>
+              <a:t>servo</a:t>
+            </a:r>
+            <a:endParaRPr lang="pl-PL" dirty="0">
+              <a:solidFill>
+                <a:schemeClr val="tx1"/>
+              </a:solidFill>
+            </a:endParaRPr>
+          </a:p>
+        </p:txBody>
+      </p:sp>
+      <p:cxnSp>
+        <p:nvCxnSpPr>
+          <p:cNvPr id="79" name="Łącznik: łamany 78"/>
+          <p:cNvCxnSpPr>
+            <a:stCxn id="3" idx="3"/>
+            <a:endCxn id="76" idx="3"/>
+          </p:cNvCxnSpPr>
+          <p:nvPr/>
+        </p:nvCxnSpPr>
+        <p:spPr>
+          <a:xfrm>
+            <a:off x="10746258" y="4496830"/>
+            <a:ext cx="10731" cy="1953197"/>
+          </a:xfrm>
+          <a:prstGeom prst="bentConnector3">
+            <a:avLst>
+              <a:gd name="adj1" fmla="val 6910884"/>
+            </a:avLst>
+          </a:prstGeom>
+          <a:ln w="76200">
+            <a:solidFill>
+              <a:schemeClr val="tx1"/>
+            </a:solidFill>
+            <a:tailEnd type="triangle"/>
+          </a:ln>
+        </p:spPr>
+        <p:style>
+          <a:lnRef idx="1">
+            <a:schemeClr val="accent1"/>
+          </a:lnRef>
+          <a:fillRef idx="0">
+            <a:schemeClr val="accent1"/>
+          </a:fillRef>
+          <a:effectRef idx="0">
+            <a:schemeClr val="accent1"/>
+          </a:effectRef>
+          <a:fontRef idx="minor">
+            <a:schemeClr val="tx1"/>
+          </a:fontRef>
+        </p:style>
+      </p:cxnSp>
+      <p:sp>
+        <p:nvSpPr>
+          <p:cNvPr id="83" name="Prostokąt 82"/>
+          <p:cNvSpPr/>
+          <p:nvPr/>
+        </p:nvSpPr>
+        <p:spPr>
+          <a:xfrm>
+            <a:off x="468152" y="4652743"/>
+            <a:ext cx="1999983" cy="470758"/>
+          </a:xfrm>
+          <a:prstGeom prst="rect">
+            <a:avLst/>
+          </a:prstGeom>
+          <a:solidFill>
+            <a:schemeClr val="bg1"/>
+          </a:solidFill>
+          <a:ln>
+            <a:solidFill>
+              <a:schemeClr val="tx1"/>
+            </a:solidFill>
+          </a:ln>
+        </p:spPr>
+        <p:style>
+          <a:lnRef idx="2">
+            <a:schemeClr val="accent1">
+              <a:shade val="50000"/>
+            </a:schemeClr>
+          </a:lnRef>
+          <a:fillRef idx="1">
+            <a:schemeClr val="accent1"/>
+          </a:fillRef>
+          <a:effectRef idx="0">
+            <a:schemeClr val="accent1"/>
+          </a:effectRef>
+          <a:fontRef idx="minor">
+            <a:schemeClr val="lt1"/>
+          </a:fontRef>
+        </p:style>
+        <p:txBody>
+          <a:bodyPr rtlCol="0" anchor="ctr"/>
+          <a:lstStyle/>
+          <a:p>
+            <a:pPr algn="ctr"/>
+            <a:r>
+              <a:rPr lang="pl-PL" dirty="0">
+                <a:solidFill>
+                  <a:schemeClr val="tx1"/>
+                </a:solidFill>
+              </a:rPr>
+              <a:t>termometr</a:t>
+            </a:r>
+          </a:p>
+        </p:txBody>
+      </p:sp>
+      <p:cxnSp>
+        <p:nvCxnSpPr>
+          <p:cNvPr id="84" name="Łącznik: łamany 83"/>
+          <p:cNvCxnSpPr>
+            <a:stCxn id="39" idx="2"/>
+            <a:endCxn id="83" idx="0"/>
+          </p:cNvCxnSpPr>
+          <p:nvPr/>
+        </p:nvCxnSpPr>
+        <p:spPr>
+          <a:xfrm rot="5400000">
+            <a:off x="1292448" y="4477045"/>
+            <a:ext cx="351395" cy="1"/>
+          </a:xfrm>
+          <a:prstGeom prst="bentConnector3">
+            <a:avLst>
+              <a:gd name="adj1" fmla="val 50000"/>
+            </a:avLst>
+          </a:prstGeom>
+          <a:ln w="76200">
+            <a:solidFill>
+              <a:schemeClr val="tx1"/>
+            </a:solidFill>
+            <a:tailEnd type="triangle"/>
+          </a:ln>
+        </p:spPr>
+        <p:style>
+          <a:lnRef idx="1">
+            <a:schemeClr val="accent1"/>
+          </a:lnRef>
+          <a:fillRef idx="0">
+            <a:schemeClr val="accent1"/>
+          </a:fillRef>
+          <a:effectRef idx="0">
+            <a:schemeClr val="accent1"/>
+          </a:effectRef>
+          <a:fontRef idx="minor">
+            <a:schemeClr val="tx1"/>
+          </a:fontRef>
+        </p:style>
+      </p:cxnSp>
+    </p:spTree>
+    <p:extLst>
+      <p:ext uri="{BB962C8B-B14F-4D97-AF65-F5344CB8AC3E}">
+        <p14:creationId xmlns:p14="http://schemas.microsoft.com/office/powerpoint/2010/main" val="1997031648"/>
+      </p:ext>
+    </p:extLst>
+  </p:cSld>
+  <p:clrMapOvr>
+    <a:masterClrMapping/>
+  </p:clrMapOvr>
+</p:sld>
+</file>
+
+<file path=ppt/slides/slide2.xml><?xml version="1.0" encoding="utf-8"?>
+<p:sld xmlns:a="http://schemas.openxmlformats.org/drawingml/2006/main" xmlns:r="http://schemas.openxmlformats.org/officeDocument/2006/relationships" xmlns:p="http://schemas.openxmlformats.org/presentationml/2006/main">
+  <p:cSld>
+    <p:spTree>
+      <p:nvGrpSpPr>
+        <p:cNvPr id="1" name=""/>
+        <p:cNvGrpSpPr/>
+        <p:nvPr/>
+      </p:nvGrpSpPr>
+      <p:grpSpPr>
+        <a:xfrm>
+          <a:off x="0" y="0"/>
+          <a:ext cx="0" cy="0"/>
+          <a:chOff x="0" y="0"/>
+          <a:chExt cx="0" cy="0"/>
+        </a:xfrm>
+      </p:grpSpPr>
+      <p:sp>
+        <p:nvSpPr>
+          <p:cNvPr id="2" name="Prostokąt 1"/>
+          <p:cNvSpPr/>
+          <p:nvPr/>
+        </p:nvSpPr>
+        <p:spPr>
+          <a:xfrm>
+            <a:off x="4367863" y="2240692"/>
+            <a:ext cx="1999983" cy="970005"/>
+          </a:xfrm>
+          <a:prstGeom prst="rect">
+            <a:avLst/>
+          </a:prstGeom>
+          <a:solidFill>
+            <a:schemeClr val="bg1"/>
+          </a:solidFill>
+          <a:ln>
+            <a:solidFill>
+              <a:schemeClr val="tx1"/>
+            </a:solidFill>
+          </a:ln>
+        </p:spPr>
+        <p:style>
+          <a:lnRef idx="2">
+            <a:schemeClr val="accent1">
+              <a:shade val="50000"/>
+            </a:schemeClr>
+          </a:lnRef>
+          <a:fillRef idx="1">
+            <a:schemeClr val="accent1"/>
+          </a:fillRef>
+          <a:effectRef idx="0">
+            <a:schemeClr val="accent1"/>
+          </a:effectRef>
+          <a:fontRef idx="minor">
+            <a:schemeClr val="lt1"/>
+          </a:fontRef>
+        </p:style>
+        <p:txBody>
+          <a:bodyPr rtlCol="0" anchor="ctr"/>
+          <a:lstStyle/>
+          <a:p>
+            <a:pPr algn="ctr"/>
+            <a:r>
+              <a:rPr lang="pl-PL" dirty="0">
+                <a:solidFill>
+                  <a:schemeClr val="tx1"/>
+                </a:solidFill>
+              </a:rPr>
+              <a:t>RPI 3</a:t>
+            </a:r>
+          </a:p>
+        </p:txBody>
+      </p:sp>
+      <p:sp>
+        <p:nvSpPr>
+          <p:cNvPr id="3" name="Prostokąt 2"/>
+          <p:cNvSpPr/>
+          <p:nvPr/>
+        </p:nvSpPr>
+        <p:spPr>
+          <a:xfrm>
+            <a:off x="8746275" y="4011827"/>
+            <a:ext cx="1999983" cy="970005"/>
+          </a:xfrm>
+          <a:prstGeom prst="rect">
+            <a:avLst/>
+          </a:prstGeom>
+          <a:solidFill>
+            <a:schemeClr val="bg1"/>
+          </a:solidFill>
+          <a:ln>
+            <a:solidFill>
+              <a:schemeClr val="tx1"/>
+            </a:solidFill>
+          </a:ln>
+        </p:spPr>
+        <p:style>
+          <a:lnRef idx="2">
+            <a:schemeClr val="accent1">
+              <a:shade val="50000"/>
+            </a:schemeClr>
+          </a:lnRef>
+          <a:fillRef idx="1">
+            <a:schemeClr val="accent1"/>
+          </a:fillRef>
+          <a:effectRef idx="0">
+            <a:schemeClr val="accent1"/>
+          </a:effectRef>
+          <a:fontRef idx="minor">
+            <a:schemeClr val="lt1"/>
+          </a:fontRef>
+        </p:style>
+        <p:txBody>
+          <a:bodyPr rtlCol="0" anchor="ctr"/>
+          <a:lstStyle/>
+          <a:p>
+            <a:pPr algn="ctr"/>
+            <a:r>
+              <a:rPr lang="pl-PL" dirty="0">
+                <a:solidFill>
+                  <a:schemeClr val="tx1"/>
+                </a:solidFill>
+              </a:rPr>
+              <a:t>Moduł rozszerzeń</a:t>
+            </a:r>
+          </a:p>
+        </p:txBody>
+      </p:sp>
+      <p:cxnSp>
+        <p:nvCxnSpPr>
+          <p:cNvPr id="5" name="Łącznik: łamany 4"/>
+          <p:cNvCxnSpPr>
+            <a:stCxn id="2" idx="3"/>
+            <a:endCxn id="3" idx="1"/>
+          </p:cNvCxnSpPr>
+          <p:nvPr/>
+        </p:nvCxnSpPr>
+        <p:spPr>
+          <a:xfrm>
+            <a:off x="6367846" y="2725695"/>
+            <a:ext cx="2378429" cy="1771135"/>
+          </a:xfrm>
+          <a:prstGeom prst="bentConnector3">
+            <a:avLst>
+              <a:gd name="adj1" fmla="val 36146"/>
+            </a:avLst>
+          </a:prstGeom>
+          <a:ln w="76200">
+            <a:solidFill>
+              <a:schemeClr val="tx1"/>
+            </a:solidFill>
+            <a:tailEnd type="triangle"/>
+          </a:ln>
+        </p:spPr>
+        <p:style>
+          <a:lnRef idx="1">
+            <a:schemeClr val="accent1"/>
+          </a:lnRef>
+          <a:fillRef idx="0">
+            <a:schemeClr val="accent1"/>
+          </a:fillRef>
+          <a:effectRef idx="0">
+            <a:schemeClr val="accent1"/>
+          </a:effectRef>
+          <a:fontRef idx="minor">
+            <a:schemeClr val="tx1"/>
+          </a:fontRef>
+        </p:style>
+      </p:cxnSp>
+      <p:sp>
+        <p:nvSpPr>
+          <p:cNvPr id="9" name="pole tekstowe 8"/>
+          <p:cNvSpPr txBox="1"/>
+          <p:nvPr/>
+        </p:nvSpPr>
+        <p:spPr>
+          <a:xfrm>
+            <a:off x="7518542" y="4184645"/>
+            <a:ext cx="844622" cy="369332"/>
+          </a:xfrm>
+          <a:prstGeom prst="rect">
+            <a:avLst/>
+          </a:prstGeom>
+          <a:noFill/>
+        </p:spPr>
+        <p:txBody>
+          <a:bodyPr wrap="square" rtlCol="0">
+            <a:spAutoFit/>
+          </a:bodyPr>
+          <a:lstStyle/>
+          <a:p>
+            <a:r>
+              <a:rPr lang="pl-PL" dirty="0"/>
+              <a:t>40 pin</a:t>
+            </a:r>
+          </a:p>
+        </p:txBody>
+      </p:sp>
+      <p:sp>
+        <p:nvSpPr>
+          <p:cNvPr id="11" name="Prostokąt 10"/>
+          <p:cNvSpPr/>
+          <p:nvPr/>
+        </p:nvSpPr>
+        <p:spPr>
+          <a:xfrm>
+            <a:off x="4367863" y="634314"/>
+            <a:ext cx="1999983" cy="970005"/>
+          </a:xfrm>
+          <a:prstGeom prst="rect">
+            <a:avLst/>
+          </a:prstGeom>
+          <a:solidFill>
+            <a:schemeClr val="bg1"/>
+          </a:solidFill>
+          <a:ln>
+            <a:solidFill>
+              <a:schemeClr val="tx1"/>
+            </a:solidFill>
+          </a:ln>
+        </p:spPr>
+        <p:style>
+          <a:lnRef idx="2">
+            <a:schemeClr val="accent1">
+              <a:shade val="50000"/>
+            </a:schemeClr>
+          </a:lnRef>
+          <a:fillRef idx="1">
+            <a:schemeClr val="accent1"/>
+          </a:fillRef>
+          <a:effectRef idx="0">
+            <a:schemeClr val="accent1"/>
+          </a:effectRef>
+          <a:fontRef idx="minor">
+            <a:schemeClr val="lt1"/>
+          </a:fontRef>
+        </p:style>
+        <p:txBody>
+          <a:bodyPr rtlCol="0" anchor="ctr"/>
+          <a:lstStyle/>
+          <a:p>
+            <a:pPr algn="ctr"/>
+            <a:r>
+              <a:rPr lang="pl-PL" dirty="0">
+                <a:solidFill>
+                  <a:schemeClr val="tx1"/>
+                </a:solidFill>
+              </a:rPr>
+              <a:t>Przetwornica USB</a:t>
+            </a:r>
+          </a:p>
+        </p:txBody>
+      </p:sp>
+      <p:cxnSp>
+        <p:nvCxnSpPr>
+          <p:cNvPr id="14" name="Łącznik: łamany 13"/>
+          <p:cNvCxnSpPr>
+            <a:stCxn id="11" idx="2"/>
+            <a:endCxn id="2" idx="0"/>
+          </p:cNvCxnSpPr>
+          <p:nvPr/>
+        </p:nvCxnSpPr>
+        <p:spPr>
+          <a:xfrm rot="5400000">
+            <a:off x="5049669" y="1922505"/>
+            <a:ext cx="636373" cy="12700"/>
+          </a:xfrm>
+          <a:prstGeom prst="bentConnector3">
+            <a:avLst>
+              <a:gd name="adj1" fmla="val 50000"/>
+            </a:avLst>
+          </a:prstGeom>
+          <a:ln w="76200">
+            <a:solidFill>
+              <a:schemeClr val="accent5"/>
+            </a:solidFill>
+            <a:tailEnd type="triangle"/>
+          </a:ln>
+        </p:spPr>
+        <p:style>
+          <a:lnRef idx="1">
+            <a:schemeClr val="accent1"/>
+          </a:lnRef>
+          <a:fillRef idx="0">
+            <a:schemeClr val="accent1"/>
+          </a:fillRef>
+          <a:effectRef idx="0">
+            <a:schemeClr val="accent1"/>
+          </a:effectRef>
+          <a:fontRef idx="minor">
+            <a:schemeClr val="tx1"/>
+          </a:fontRef>
+        </p:style>
+      </p:cxnSp>
+      <p:sp>
+        <p:nvSpPr>
+          <p:cNvPr id="17" name="Prostokąt 16"/>
+          <p:cNvSpPr/>
+          <p:nvPr/>
+        </p:nvSpPr>
+        <p:spPr>
+          <a:xfrm>
+            <a:off x="4501557" y="4707924"/>
+            <a:ext cx="1999983" cy="970005"/>
+          </a:xfrm>
+          <a:prstGeom prst="rect">
+            <a:avLst/>
+          </a:prstGeom>
+          <a:solidFill>
+            <a:schemeClr val="bg1"/>
+          </a:solidFill>
+          <a:ln>
+            <a:solidFill>
+              <a:schemeClr val="tx1"/>
+            </a:solidFill>
+          </a:ln>
+        </p:spPr>
+        <p:style>
+          <a:lnRef idx="2">
+            <a:schemeClr val="accent1">
+              <a:shade val="50000"/>
+            </a:schemeClr>
+          </a:lnRef>
+          <a:fillRef idx="1">
+            <a:schemeClr val="accent1"/>
+          </a:fillRef>
+          <a:effectRef idx="0">
+            <a:schemeClr val="accent1"/>
+          </a:effectRef>
+          <a:fontRef idx="minor">
+            <a:schemeClr val="lt1"/>
+          </a:fontRef>
+        </p:style>
+        <p:txBody>
+          <a:bodyPr rtlCol="0" anchor="ctr"/>
+          <a:lstStyle/>
+          <a:p>
+            <a:pPr algn="ctr"/>
+            <a:r>
+              <a:rPr lang="pl-PL" dirty="0">
+                <a:solidFill>
+                  <a:schemeClr val="tx1"/>
+                </a:solidFill>
+              </a:rPr>
+              <a:t>Ekran LCD</a:t>
+            </a:r>
+          </a:p>
+        </p:txBody>
+      </p:sp>
+      <p:cxnSp>
+        <p:nvCxnSpPr>
+          <p:cNvPr id="18" name="Łącznik: łamany 17"/>
+          <p:cNvCxnSpPr>
+            <a:stCxn id="2" idx="2"/>
+            <a:endCxn id="17" idx="3"/>
+          </p:cNvCxnSpPr>
+          <p:nvPr/>
+        </p:nvCxnSpPr>
+        <p:spPr>
+          <a:xfrm rot="16200000" flipH="1">
+            <a:off x="4943582" y="3634969"/>
+            <a:ext cx="1982230" cy="1133685"/>
+          </a:xfrm>
+          <a:prstGeom prst="bentConnector4">
+            <a:avLst>
+              <a:gd name="adj1" fmla="val 37766"/>
+              <a:gd name="adj2" fmla="val 137603"/>
+            </a:avLst>
+          </a:prstGeom>
+          <a:ln w="76200">
+            <a:solidFill>
+              <a:schemeClr val="tx1"/>
+            </a:solidFill>
+            <a:tailEnd type="triangle"/>
+          </a:ln>
+        </p:spPr>
+        <p:style>
+          <a:lnRef idx="1">
+            <a:schemeClr val="accent1"/>
+          </a:lnRef>
+          <a:fillRef idx="0">
+            <a:schemeClr val="accent1"/>
+          </a:fillRef>
+          <a:effectRef idx="0">
+            <a:schemeClr val="accent1"/>
+          </a:effectRef>
+          <a:fontRef idx="minor">
+            <a:schemeClr val="tx1"/>
+          </a:fontRef>
+        </p:style>
+      </p:cxnSp>
+      <p:cxnSp>
+        <p:nvCxnSpPr>
+          <p:cNvPr id="19" name="Łącznik: łamany 18"/>
+          <p:cNvCxnSpPr>
+            <a:stCxn id="2" idx="1"/>
+            <a:endCxn id="17" idx="1"/>
+          </p:cNvCxnSpPr>
+          <p:nvPr/>
+        </p:nvCxnSpPr>
+        <p:spPr>
+          <a:xfrm rot="10800000" flipH="1" flipV="1">
+            <a:off x="4367863" y="2725695"/>
+            <a:ext cx="133694" cy="2467232"/>
+          </a:xfrm>
+          <a:prstGeom prst="bentConnector3">
+            <a:avLst>
               <a:gd name="adj1" fmla="val -170987"/>
             </a:avLst>
           </a:prstGeom>
@@ -4296,7 +6114,7 @@
     </p:spTree>
     <p:extLst>
       <p:ext uri="{BB962C8B-B14F-4D97-AF65-F5344CB8AC3E}">
-        <p14:creationId xmlns:p14="http://schemas.microsoft.com/office/powerpoint/2010/main" val="1997031648"/>
+        <p14:creationId xmlns:p14="http://schemas.microsoft.com/office/powerpoint/2010/main" val="2270578851"/>
       </p:ext>
     </p:extLst>
   </p:cSld>
